--- a/SampleApplications/GettingStartedUnitTesting/Getting to Know Test Driven Development & Design.pptx
+++ b/SampleApplications/GettingStartedUnitTesting/Getting to Know Test Driven Development & Design.pptx
@@ -6,24 +6,25 @@
   </p:sldMasterIdLst>
   <p:sldIdLst>
     <p:sldId id="256" r:id="rId2"/>
-    <p:sldId id="264" r:id="rId3"/>
-    <p:sldId id="265" r:id="rId4"/>
-    <p:sldId id="257" r:id="rId5"/>
-    <p:sldId id="267" r:id="rId6"/>
-    <p:sldId id="262" r:id="rId7"/>
-    <p:sldId id="259" r:id="rId8"/>
-    <p:sldId id="258" r:id="rId9"/>
-    <p:sldId id="263" r:id="rId10"/>
-    <p:sldId id="260" r:id="rId11"/>
-    <p:sldId id="261" r:id="rId12"/>
-    <p:sldId id="268" r:id="rId13"/>
-    <p:sldId id="270" r:id="rId14"/>
-    <p:sldId id="269" r:id="rId15"/>
-    <p:sldId id="271" r:id="rId16"/>
-    <p:sldId id="273" r:id="rId17"/>
-    <p:sldId id="266" r:id="rId18"/>
-    <p:sldId id="272" r:id="rId19"/>
-    <p:sldId id="274" r:id="rId20"/>
+    <p:sldId id="275" r:id="rId3"/>
+    <p:sldId id="264" r:id="rId4"/>
+    <p:sldId id="265" r:id="rId5"/>
+    <p:sldId id="257" r:id="rId6"/>
+    <p:sldId id="267" r:id="rId7"/>
+    <p:sldId id="262" r:id="rId8"/>
+    <p:sldId id="259" r:id="rId9"/>
+    <p:sldId id="258" r:id="rId10"/>
+    <p:sldId id="263" r:id="rId11"/>
+    <p:sldId id="260" r:id="rId12"/>
+    <p:sldId id="261" r:id="rId13"/>
+    <p:sldId id="268" r:id="rId14"/>
+    <p:sldId id="270" r:id="rId15"/>
+    <p:sldId id="269" r:id="rId16"/>
+    <p:sldId id="271" r:id="rId17"/>
+    <p:sldId id="273" r:id="rId18"/>
+    <p:sldId id="266" r:id="rId19"/>
+    <p:sldId id="272" r:id="rId20"/>
+    <p:sldId id="274" r:id="rId21"/>
   </p:sldIdLst>
   <p:sldSz cx="9144000" cy="6858000" type="screen4x3"/>
   <p:notesSz cx="6858000" cy="9144000"/>
@@ -1164,6 +1165,13 @@
         </dgm:presLayoutVars>
       </dgm:prSet>
       <dgm:spPr/>
+      <dgm:t>
+        <a:bodyPr/>
+        <a:lstStyle/>
+        <a:p>
+          <a:endParaRPr lang="en-US"/>
+        </a:p>
+      </dgm:t>
     </dgm:pt>
     <dgm:pt modelId="{54E7039D-BD88-4C4A-98DB-9500BC1F12E3}" type="pres">
       <dgm:prSet presAssocID="{824A6793-0967-4A50-BD64-F94B147B94E1}" presName="cycle" presStyleCnt="0"/>
@@ -1187,6 +1195,13 @@
     <dgm:pt modelId="{5BAE909F-8852-480F-99B0-6E161E976DD0}" type="pres">
       <dgm:prSet presAssocID="{F6A01827-AC26-4DE8-B0E7-263A15FC750B}" presName="sibTransFirstNode" presStyleLbl="bgShp" presStyleIdx="0" presStyleCnt="1"/>
       <dgm:spPr/>
+      <dgm:t>
+        <a:bodyPr/>
+        <a:lstStyle/>
+        <a:p>
+          <a:endParaRPr lang="en-US"/>
+        </a:p>
+      </dgm:t>
     </dgm:pt>
     <dgm:pt modelId="{7CFE805D-3AE5-44F3-AC0B-E5800BE735D5}" type="pres">
       <dgm:prSet presAssocID="{345B85CB-F5AB-4A9D-971A-C32B9E2DCC28}" presName="nodeFollowingNodes" presStyleLbl="node1" presStyleIdx="1" presStyleCnt="4">
@@ -1210,6 +1225,13 @@
         </dgm:presLayoutVars>
       </dgm:prSet>
       <dgm:spPr/>
+      <dgm:t>
+        <a:bodyPr/>
+        <a:lstStyle/>
+        <a:p>
+          <a:endParaRPr lang="en-US"/>
+        </a:p>
+      </dgm:t>
     </dgm:pt>
     <dgm:pt modelId="{5BB8D2D9-105B-474F-9B06-B796E30AAAD1}" type="pres">
       <dgm:prSet presAssocID="{79554E5E-EACC-4B9A-B00F-8FCBC06C0ED4}" presName="nodeFollowingNodes" presStyleLbl="node1" presStyleIdx="3" presStyleCnt="4">
@@ -1218,6 +1240,13 @@
         </dgm:presLayoutVars>
       </dgm:prSet>
       <dgm:spPr/>
+      <dgm:t>
+        <a:bodyPr/>
+        <a:lstStyle/>
+        <a:p>
+          <a:endParaRPr lang="en-US"/>
+        </a:p>
+      </dgm:t>
     </dgm:pt>
   </dgm:ptLst>
   <dgm:cxnLst>
@@ -2970,6 +2999,7 @@
           <a:p>
             <a:fld id="{897B735C-89CE-4145-9BF9-8BFEAB4DA314}" type="datetimeFigureOut">
               <a:rPr lang="en-US" smtClean="0"/>
+              <a:pPr/>
               <a:t>7/4/2007</a:t>
             </a:fld>
             <a:endParaRPr lang="en-US"/>
@@ -2993,6 +3023,7 @@
           <a:p>
             <a:fld id="{4C5393EC-C116-4D58-AB18-865D2F445327}" type="slidenum">
               <a:rPr lang="en-US" smtClean="0"/>
+              <a:pPr/>
               <a:t>‹#›</a:t>
             </a:fld>
             <a:endParaRPr lang="en-US"/>
@@ -3135,6 +3166,7 @@
           <a:p>
             <a:fld id="{897B735C-89CE-4145-9BF9-8BFEAB4DA314}" type="datetimeFigureOut">
               <a:rPr lang="en-US" smtClean="0"/>
+              <a:pPr/>
               <a:t>7/4/2007</a:t>
             </a:fld>
             <a:endParaRPr lang="en-US"/>
@@ -3177,6 +3209,7 @@
           <a:p>
             <a:fld id="{4C5393EC-C116-4D58-AB18-865D2F445327}" type="slidenum">
               <a:rPr lang="en-US" smtClean="0"/>
+              <a:pPr/>
               <a:t>‹#›</a:t>
             </a:fld>
             <a:endParaRPr lang="en-US"/>
@@ -3310,6 +3343,7 @@
           <a:p>
             <a:fld id="{897B735C-89CE-4145-9BF9-8BFEAB4DA314}" type="datetimeFigureOut">
               <a:rPr lang="en-US" smtClean="0"/>
+              <a:pPr/>
               <a:t>7/4/2007</a:t>
             </a:fld>
             <a:endParaRPr lang="en-US"/>
@@ -3352,6 +3386,7 @@
           <a:p>
             <a:fld id="{4C5393EC-C116-4D58-AB18-865D2F445327}" type="slidenum">
               <a:rPr lang="en-US" smtClean="0"/>
+              <a:pPr/>
               <a:t>‹#›</a:t>
             </a:fld>
             <a:endParaRPr lang="en-US"/>
@@ -3457,6 +3492,7 @@
           <a:p>
             <a:fld id="{897B735C-89CE-4145-9BF9-8BFEAB4DA314}" type="datetimeFigureOut">
               <a:rPr lang="en-US" smtClean="0"/>
+              <a:pPr/>
               <a:t>7/4/2007</a:t>
             </a:fld>
             <a:endParaRPr lang="en-US"/>
@@ -3484,6 +3520,7 @@
           <a:p>
             <a:fld id="{4C5393EC-C116-4D58-AB18-865D2F445327}" type="slidenum">
               <a:rPr lang="en-US" smtClean="0"/>
+              <a:pPr/>
               <a:t>‹#›</a:t>
             </a:fld>
             <a:endParaRPr lang="en-US"/>
@@ -3574,6 +3611,7 @@
           <a:p>
             <a:fld id="{897B735C-89CE-4145-9BF9-8BFEAB4DA314}" type="datetimeFigureOut">
               <a:rPr lang="en-US" smtClean="0"/>
+              <a:pPr/>
               <a:t>7/4/2007</a:t>
             </a:fld>
             <a:endParaRPr lang="en-US"/>
@@ -3616,6 +3654,7 @@
           <a:p>
             <a:fld id="{4C5393EC-C116-4D58-AB18-865D2F445327}" type="slidenum">
               <a:rPr lang="en-US" smtClean="0"/>
+              <a:pPr/>
               <a:t>‹#›</a:t>
             </a:fld>
             <a:endParaRPr lang="en-US"/>
@@ -3844,6 +3883,7 @@
           <a:p>
             <a:fld id="{897B735C-89CE-4145-9BF9-8BFEAB4DA314}" type="datetimeFigureOut">
               <a:rPr lang="en-US" smtClean="0"/>
+              <a:pPr/>
               <a:t>7/4/2007</a:t>
             </a:fld>
             <a:endParaRPr lang="en-US"/>
@@ -3886,6 +3926,7 @@
           <a:p>
             <a:fld id="{4C5393EC-C116-4D58-AB18-865D2F445327}" type="slidenum">
               <a:rPr lang="en-US" smtClean="0"/>
+              <a:pPr/>
               <a:t>‹#›</a:t>
             </a:fld>
             <a:endParaRPr lang="en-US"/>
@@ -4071,6 +4112,7 @@
           <a:p>
             <a:fld id="{4C5393EC-C116-4D58-AB18-865D2F445327}" type="slidenum">
               <a:rPr lang="en-US" smtClean="0"/>
+              <a:pPr/>
               <a:t>‹#›</a:t>
             </a:fld>
             <a:endParaRPr lang="en-US"/>
@@ -4113,6 +4155,7 @@
           <a:p>
             <a:fld id="{897B735C-89CE-4145-9BF9-8BFEAB4DA314}" type="datetimeFigureOut">
               <a:rPr lang="en-US" smtClean="0"/>
+              <a:pPr/>
               <a:t>7/4/2007</a:t>
             </a:fld>
             <a:endParaRPr lang="en-US"/>
@@ -4560,6 +4603,7 @@
           <a:p>
             <a:fld id="{897B735C-89CE-4145-9BF9-8BFEAB4DA314}" type="datetimeFigureOut">
               <a:rPr lang="en-US" smtClean="0"/>
+              <a:pPr/>
               <a:t>7/4/2007</a:t>
             </a:fld>
             <a:endParaRPr lang="en-US"/>
@@ -4602,6 +4646,7 @@
           <a:p>
             <a:fld id="{4C5393EC-C116-4D58-AB18-865D2F445327}" type="slidenum">
               <a:rPr lang="en-US" smtClean="0"/>
+              <a:pPr/>
               <a:t>‹#›</a:t>
             </a:fld>
             <a:endParaRPr lang="en-US"/>
@@ -4673,6 +4718,7 @@
           <a:p>
             <a:fld id="{897B735C-89CE-4145-9BF9-8BFEAB4DA314}" type="datetimeFigureOut">
               <a:rPr lang="en-US" smtClean="0"/>
+              <a:pPr/>
               <a:t>7/4/2007</a:t>
             </a:fld>
             <a:endParaRPr lang="en-US"/>
@@ -4715,6 +4761,7 @@
           <a:p>
             <a:fld id="{4C5393EC-C116-4D58-AB18-865D2F445327}" type="slidenum">
               <a:rPr lang="en-US" smtClean="0"/>
+              <a:pPr/>
               <a:t>‹#›</a:t>
             </a:fld>
             <a:endParaRPr lang="en-US"/>
@@ -4923,6 +4970,7 @@
           <a:p>
             <a:fld id="{897B735C-89CE-4145-9BF9-8BFEAB4DA314}" type="datetimeFigureOut">
               <a:rPr lang="en-US" smtClean="0"/>
+              <a:pPr/>
               <a:t>7/4/2007</a:t>
             </a:fld>
             <a:endParaRPr lang="en-US"/>
@@ -4946,6 +4994,7 @@
           <a:p>
             <a:fld id="{4C5393EC-C116-4D58-AB18-865D2F445327}" type="slidenum">
               <a:rPr lang="en-US" smtClean="0"/>
+              <a:pPr/>
               <a:t>‹#›</a:t>
             </a:fld>
             <a:endParaRPr lang="en-US"/>
@@ -5163,6 +5212,7 @@
           <a:p>
             <a:fld id="{897B735C-89CE-4145-9BF9-8BFEAB4DA314}" type="datetimeFigureOut">
               <a:rPr lang="en-US" smtClean="0"/>
+              <a:pPr/>
               <a:t>7/4/2007</a:t>
             </a:fld>
             <a:endParaRPr lang="en-US"/>
@@ -5186,6 +5236,7 @@
           <a:p>
             <a:fld id="{4C5393EC-C116-4D58-AB18-865D2F445327}" type="slidenum">
               <a:rPr lang="en-US" smtClean="0"/>
+              <a:pPr/>
               <a:t>‹#›</a:t>
             </a:fld>
             <a:endParaRPr lang="en-US"/>
@@ -5336,6 +5387,7 @@
           <a:p>
             <a:fld id="{897B735C-89CE-4145-9BF9-8BFEAB4DA314}" type="datetimeFigureOut">
               <a:rPr lang="en-US" smtClean="0"/>
+              <a:pPr/>
               <a:t>7/4/2007</a:t>
             </a:fld>
             <a:endParaRPr lang="en-US"/>
@@ -5413,6 +5465,7 @@
           <a:p>
             <a:fld id="{4C5393EC-C116-4D58-AB18-865D2F445327}" type="slidenum">
               <a:rPr lang="en-US" smtClean="0"/>
+              <a:pPr/>
               <a:t>‹#›</a:t>
             </a:fld>
             <a:endParaRPr lang="en-US"/>
@@ -5937,6 +5990,112 @@
           <a:chExt cx="0" cy="0"/>
         </a:xfrm>
       </p:grpSpPr>
+      <p:sp>
+        <p:nvSpPr>
+          <p:cNvPr id="3" name="Rectangle 2"/>
+          <p:cNvSpPr/>
+          <p:nvPr/>
+        </p:nvSpPr>
+        <p:spPr>
+          <a:xfrm>
+            <a:off x="1511194" y="2967335"/>
+            <a:ext cx="5806333" cy="923330"/>
+          </a:xfrm>
+          <a:prstGeom prst="rect">
+            <a:avLst/>
+          </a:prstGeom>
+          <a:noFill/>
+        </p:spPr>
+        <p:txBody>
+          <a:bodyPr wrap="none" lIns="91440" tIns="45720" rIns="91440" bIns="45720">
+            <a:spAutoFit/>
+            <a:scene3d>
+              <a:camera prst="orthographicFront"/>
+              <a:lightRig rig="brightRoom" dir="t"/>
+            </a:scene3d>
+            <a:sp3d contourW="6350" prstMaterial="plastic">
+              <a:bevelT w="20320" h="20320" prst="angle"/>
+              <a:contourClr>
+                <a:schemeClr val="accent1">
+                  <a:tint val="100000"/>
+                  <a:shade val="100000"/>
+                  <a:hueMod val="100000"/>
+                  <a:satMod val="100000"/>
+                </a:schemeClr>
+              </a:contourClr>
+            </a:sp3d>
+          </a:bodyPr>
+          <a:lstStyle/>
+          <a:p>
+            <a:pPr algn="ctr"/>
+            <a:r>
+              <a:rPr lang="en-US" sz="5400" b="1" cap="all" spc="0" dirty="0" smtClean="0">
+                <a:ln/>
+                <a:solidFill>
+                  <a:schemeClr val="accent1"/>
+                </a:solidFill>
+                <a:effectLst>
+                  <a:outerShdw blurRad="19685" dist="12700" dir="5400000" algn="tl" rotWithShape="0">
+                    <a:schemeClr val="accent1">
+                      <a:satMod val="130000"/>
+                      <a:alpha val="60000"/>
+                    </a:schemeClr>
+                  </a:outerShdw>
+                  <a:reflection blurRad="10000" stA="55000" endPos="48000" dist="500" dir="5400000" sy="-100000" algn="bl" rotWithShape="0"/>
+                </a:effectLst>
+              </a:rPr>
+              <a:t>Another way…</a:t>
+            </a:r>
+            <a:endParaRPr lang="en-US" sz="5400" b="1" cap="all" spc="0" dirty="0">
+              <a:ln/>
+              <a:solidFill>
+                <a:schemeClr val="accent1"/>
+              </a:solidFill>
+              <a:effectLst>
+                <a:outerShdw blurRad="19685" dist="12700" dir="5400000" algn="tl" rotWithShape="0">
+                  <a:schemeClr val="accent1">
+                    <a:satMod val="130000"/>
+                    <a:alpha val="60000"/>
+                  </a:schemeClr>
+                </a:outerShdw>
+                <a:reflection blurRad="10000" stA="55000" endPos="48000" dist="500" dir="5400000" sy="-100000" algn="bl" rotWithShape="0"/>
+              </a:effectLst>
+            </a:endParaRPr>
+          </a:p>
+        </p:txBody>
+      </p:sp>
+    </p:spTree>
+  </p:cSld>
+  <p:clrMapOvr>
+    <a:masterClrMapping/>
+  </p:clrMapOvr>
+  <p:timing>
+    <p:tnLst>
+      <p:par>
+        <p:cTn id="1" dur="indefinite" restart="never" nodeType="tmRoot"/>
+      </p:par>
+    </p:tnLst>
+  </p:timing>
+</p:sld>
+</file>
+
+<file path=ppt/slides/slide11.xml><?xml version="1.0" encoding="utf-8"?>
+<p:sld xmlns:a="http://schemas.openxmlformats.org/drawingml/2006/main" xmlns:r="http://schemas.openxmlformats.org/officeDocument/2006/relationships" xmlns:p="http://schemas.openxmlformats.org/presentationml/2006/main">
+  <p:cSld>
+    <p:spTree>
+      <p:nvGrpSpPr>
+        <p:cNvPr id="1" name=""/>
+        <p:cNvGrpSpPr/>
+        <p:nvPr/>
+      </p:nvGrpSpPr>
+      <p:grpSpPr>
+        <a:xfrm>
+          <a:off x="0" y="0"/>
+          <a:ext cx="0" cy="0"/>
+          <a:chOff x="0" y="0"/>
+          <a:chExt cx="0" cy="0"/>
+        </a:xfrm>
+      </p:grpSpPr>
       <p:pic>
         <p:nvPicPr>
           <p:cNvPr id="4098" name="Picture 2"/>
@@ -6076,7 +6235,7 @@
 </p:sld>
 </file>
 
-<file path=ppt/slides/slide11.xml><?xml version="1.0" encoding="utf-8"?>
+<file path=ppt/slides/slide12.xml><?xml version="1.0" encoding="utf-8"?>
 <p:sld xmlns:a="http://schemas.openxmlformats.org/drawingml/2006/main" xmlns:r="http://schemas.openxmlformats.org/officeDocument/2006/relationships" xmlns:p="http://schemas.openxmlformats.org/presentationml/2006/main">
   <p:cSld>
     <p:spTree>
@@ -6225,164 +6384,6 @@
 </p:sld>
 </file>
 
-<file path=ppt/slides/slide12.xml><?xml version="1.0" encoding="utf-8"?>
-<p:sld xmlns:a="http://schemas.openxmlformats.org/drawingml/2006/main" xmlns:r="http://schemas.openxmlformats.org/officeDocument/2006/relationships" xmlns:p="http://schemas.openxmlformats.org/presentationml/2006/main">
-  <p:cSld>
-    <p:spTree>
-      <p:nvGrpSpPr>
-        <p:cNvPr id="1" name=""/>
-        <p:cNvGrpSpPr/>
-        <p:nvPr/>
-      </p:nvGrpSpPr>
-      <p:grpSpPr>
-        <a:xfrm>
-          <a:off x="0" y="0"/>
-          <a:ext cx="0" cy="0"/>
-          <a:chOff x="0" y="0"/>
-          <a:chExt cx="0" cy="0"/>
-        </a:xfrm>
-      </p:grpSpPr>
-      <p:sp>
-        <p:nvSpPr>
-          <p:cNvPr id="4" name="Content Placeholder 3"/>
-          <p:cNvSpPr>
-            <a:spLocks noGrp="1"/>
-          </p:cNvSpPr>
-          <p:nvPr>
-            <p:ph idx="1"/>
-          </p:nvPr>
-        </p:nvSpPr>
-        <p:spPr/>
-        <p:txBody>
-          <a:bodyPr>
-            <a:normAutofit lnSpcReduction="10000"/>
-          </a:bodyPr>
-          <a:lstStyle/>
-          <a:p>
-            <a:r>
-              <a:rPr lang="en-US" dirty="0" smtClean="0"/>
-              <a:t>TDD as specification</a:t>
-            </a:r>
-          </a:p>
-          <a:p>
-            <a:r>
-              <a:rPr lang="en-US" dirty="0" smtClean="0"/>
-              <a:t>After development – serves as verification</a:t>
-            </a:r>
-          </a:p>
-          <a:p>
-            <a:endParaRPr lang="en-US" dirty="0" smtClean="0"/>
-          </a:p>
-          <a:p>
-            <a:r>
-              <a:rPr lang="en-US" dirty="0" smtClean="0"/>
-              <a:t>Unit test should </a:t>
-            </a:r>
-            <a:r>
-              <a:rPr lang="en-US" b="1" dirty="0" smtClean="0"/>
-              <a:t>not</a:t>
-            </a:r>
-            <a:r>
-              <a:rPr lang="en-US" dirty="0" smtClean="0"/>
-              <a:t>:</a:t>
-            </a:r>
-          </a:p>
-          <a:p>
-            <a:pPr lvl="1"/>
-            <a:r>
-              <a:rPr lang="en-US" i="1" dirty="0" smtClean="0"/>
-              <a:t>Talk to </a:t>
-            </a:r>
-            <a:r>
-              <a:rPr lang="en-US" i="1" dirty="0" smtClean="0"/>
-              <a:t>the </a:t>
-            </a:r>
-            <a:r>
-              <a:rPr lang="en-US" i="1" dirty="0" smtClean="0"/>
-              <a:t>database </a:t>
-            </a:r>
-          </a:p>
-          <a:p>
-            <a:pPr lvl="1"/>
-            <a:r>
-              <a:rPr lang="en-US" i="1" dirty="0" smtClean="0"/>
-              <a:t>Communicate across the network </a:t>
-            </a:r>
-          </a:p>
-          <a:p>
-            <a:pPr lvl="1"/>
-            <a:r>
-              <a:rPr lang="en-US" i="1" dirty="0" smtClean="0"/>
-              <a:t>Touches </a:t>
-            </a:r>
-            <a:r>
-              <a:rPr lang="en-US" i="1" dirty="0" smtClean="0"/>
-              <a:t>the file system </a:t>
-            </a:r>
-            <a:endParaRPr lang="en-US" i="1" dirty="0" smtClean="0"/>
-          </a:p>
-          <a:p>
-            <a:pPr lvl="1"/>
-            <a:endParaRPr lang="en-US" i="1" dirty="0" smtClean="0"/>
-          </a:p>
-          <a:p>
-            <a:r>
-              <a:rPr lang="en-US" dirty="0" smtClean="0"/>
-              <a:t>Unit test:</a:t>
-            </a:r>
-          </a:p>
-          <a:p>
-            <a:pPr lvl="1"/>
-            <a:r>
-              <a:rPr lang="en-US" dirty="0" smtClean="0"/>
-              <a:t>Test one thing</a:t>
-            </a:r>
-          </a:p>
-          <a:p>
-            <a:pPr lvl="1"/>
-            <a:r>
-              <a:rPr lang="en-US" dirty="0" smtClean="0"/>
-              <a:t>Run </a:t>
-            </a:r>
-            <a:r>
-              <a:rPr lang="en-US" i="1" dirty="0" smtClean="0"/>
-              <a:t>fast</a:t>
-            </a:r>
-            <a:endParaRPr lang="en-US" dirty="0" smtClean="0"/>
-          </a:p>
-        </p:txBody>
-      </p:sp>
-      <p:sp>
-        <p:nvSpPr>
-          <p:cNvPr id="3" name="Title 2"/>
-          <p:cNvSpPr>
-            <a:spLocks noGrp="1"/>
-          </p:cNvSpPr>
-          <p:nvPr>
-            <p:ph type="title"/>
-          </p:nvPr>
-        </p:nvSpPr>
-        <p:spPr/>
-        <p:txBody>
-          <a:bodyPr/>
-          <a:lstStyle/>
-          <a:p>
-            <a:r>
-              <a:rPr smtClean="0"/>
-              <a:t>Getting serious</a:t>
-            </a:r>
-            <a:endParaRPr lang="en-US" dirty="0"/>
-          </a:p>
-        </p:txBody>
-      </p:sp>
-    </p:spTree>
-  </p:cSld>
-  <p:clrMapOvr>
-    <a:masterClrMapping/>
-  </p:clrMapOvr>
-</p:sld>
-</file>
-
 <file path=ppt/slides/slide13.xml><?xml version="1.0" encoding="utf-8"?>
 <p:sld xmlns:a="http://schemas.openxmlformats.org/drawingml/2006/main" xmlns:r="http://schemas.openxmlformats.org/officeDocument/2006/relationships" xmlns:p="http://schemas.openxmlformats.org/presentationml/2006/main">
   <p:cSld>
@@ -6402,7 +6403,7 @@
       </p:grpSpPr>
       <p:sp>
         <p:nvSpPr>
-          <p:cNvPr id="2" name="Content Placeholder 1"/>
+          <p:cNvPr id="4" name="Content Placeholder 3"/>
           <p:cNvSpPr>
             <a:spLocks noGrp="1"/>
           </p:cNvSpPr>
@@ -6410,19 +6411,22 @@
             <p:ph idx="1"/>
           </p:nvPr>
         </p:nvSpPr>
-        <p:spPr>
-          <a:xfrm>
-            <a:off x="457200" y="1571644"/>
-            <a:ext cx="8229600" cy="4572000"/>
-          </a:xfrm>
-        </p:spPr>
-        <p:txBody>
-          <a:bodyPr/>
+        <p:spPr/>
+        <p:txBody>
+          <a:bodyPr>
+            <a:normAutofit lnSpcReduction="10000"/>
+          </a:bodyPr>
           <a:lstStyle/>
           <a:p>
             <a:r>
               <a:rPr lang="en-US" dirty="0" smtClean="0"/>
-              <a:t>We need to build a calculate employee salary</a:t>
+              <a:t>TDD as specification</a:t>
+            </a:r>
+          </a:p>
+          <a:p>
+            <a:r>
+              <a:rPr lang="en-US" dirty="0" smtClean="0"/>
+              <a:t>After development – serves as verification</a:t>
             </a:r>
           </a:p>
           <a:p>
@@ -6431,39 +6435,65 @@
           <a:p>
             <a:r>
               <a:rPr lang="en-US" dirty="0" smtClean="0"/>
-              <a:t>Requirements:</a:t>
+              <a:t>Unit test should </a:t>
+            </a:r>
+            <a:r>
+              <a:rPr lang="en-US" b="1" dirty="0" smtClean="0"/>
+              <a:t>not</a:t>
+            </a:r>
+            <a:r>
+              <a:rPr lang="en-US" dirty="0" smtClean="0"/>
+              <a:t>:</a:t>
             </a:r>
           </a:p>
           <a:p>
             <a:pPr lvl="1"/>
             <a:r>
+              <a:rPr lang="en-US" i="1" dirty="0" smtClean="0"/>
+              <a:t>Talk to the database </a:t>
+            </a:r>
+          </a:p>
+          <a:p>
+            <a:pPr lvl="1"/>
+            <a:r>
+              <a:rPr lang="en-US" i="1" dirty="0" smtClean="0"/>
+              <a:t>Communicate across the network </a:t>
+            </a:r>
+          </a:p>
+          <a:p>
+            <a:pPr lvl="1"/>
+            <a:r>
+              <a:rPr lang="en-US" i="1" dirty="0" smtClean="0"/>
+              <a:t>Touches the file system </a:t>
+            </a:r>
+          </a:p>
+          <a:p>
+            <a:pPr lvl="1"/>
+            <a:endParaRPr lang="en-US" i="1" dirty="0" smtClean="0"/>
+          </a:p>
+          <a:p>
+            <a:r>
               <a:rPr lang="en-US" dirty="0" smtClean="0"/>
-              <a:t>Hourly pay</a:t>
+              <a:t>Unit test:</a:t>
             </a:r>
           </a:p>
           <a:p>
             <a:pPr lvl="1"/>
             <a:r>
               <a:rPr lang="en-US" dirty="0" smtClean="0"/>
-              <a:t>If temp – no overtime payment</a:t>
+              <a:t>Test one thing</a:t>
             </a:r>
           </a:p>
           <a:p>
             <a:pPr lvl="1"/>
             <a:r>
               <a:rPr lang="en-US" dirty="0" smtClean="0"/>
-              <a:t>If manager – overtime +60% per hour</a:t>
-            </a:r>
-          </a:p>
-          <a:p>
-            <a:pPr lvl="1"/>
-            <a:r>
-              <a:rPr lang="en-US" dirty="0" smtClean="0"/>
-              <a:t>If employee – overtime +50% per hour</a:t>
-            </a:r>
-          </a:p>
-          <a:p>
-            <a:pPr lvl="1"/>
+              <a:t>Run </a:t>
+            </a:r>
+            <a:r>
+              <a:rPr lang="en-US" i="1" dirty="0" smtClean="0"/>
+              <a:t>fast</a:t>
+            </a:r>
             <a:endParaRPr lang="en-US" dirty="0" smtClean="0"/>
           </a:p>
         </p:txBody>
@@ -6485,11 +6515,7 @@
           <a:p>
             <a:r>
               <a:rPr smtClean="0"/>
-              <a:t>Let us start with some code</a:t>
-            </a:r>
-            <a:r>
-              <a:rPr lang="en-US" dirty="0" smtClean="0"/>
-              <a:t>…</a:t>
+              <a:t>Getting serious</a:t>
             </a:r>
             <a:endParaRPr lang="en-US" dirty="0"/>
           </a:p>
@@ -6504,6 +6530,126 @@
 </file>
 
 <file path=ppt/slides/slide14.xml><?xml version="1.0" encoding="utf-8"?>
+<p:sld xmlns:a="http://schemas.openxmlformats.org/drawingml/2006/main" xmlns:r="http://schemas.openxmlformats.org/officeDocument/2006/relationships" xmlns:p="http://schemas.openxmlformats.org/presentationml/2006/main">
+  <p:cSld>
+    <p:spTree>
+      <p:nvGrpSpPr>
+        <p:cNvPr id="1" name=""/>
+        <p:cNvGrpSpPr/>
+        <p:nvPr/>
+      </p:nvGrpSpPr>
+      <p:grpSpPr>
+        <a:xfrm>
+          <a:off x="0" y="0"/>
+          <a:ext cx="0" cy="0"/>
+          <a:chOff x="0" y="0"/>
+          <a:chExt cx="0" cy="0"/>
+        </a:xfrm>
+      </p:grpSpPr>
+      <p:sp>
+        <p:nvSpPr>
+          <p:cNvPr id="2" name="Content Placeholder 1"/>
+          <p:cNvSpPr>
+            <a:spLocks noGrp="1"/>
+          </p:cNvSpPr>
+          <p:nvPr>
+            <p:ph idx="1"/>
+          </p:nvPr>
+        </p:nvSpPr>
+        <p:spPr>
+          <a:xfrm>
+            <a:off x="457200" y="1571644"/>
+            <a:ext cx="8229600" cy="4572000"/>
+          </a:xfrm>
+        </p:spPr>
+        <p:txBody>
+          <a:bodyPr/>
+          <a:lstStyle/>
+          <a:p>
+            <a:r>
+              <a:rPr lang="en-US" dirty="0" smtClean="0"/>
+              <a:t>We need to build a calculate employee salary</a:t>
+            </a:r>
+          </a:p>
+          <a:p>
+            <a:endParaRPr lang="en-US" dirty="0" smtClean="0"/>
+          </a:p>
+          <a:p>
+            <a:r>
+              <a:rPr lang="en-US" dirty="0" smtClean="0"/>
+              <a:t>Requirements:</a:t>
+            </a:r>
+          </a:p>
+          <a:p>
+            <a:pPr lvl="1"/>
+            <a:r>
+              <a:rPr lang="en-US" dirty="0" smtClean="0"/>
+              <a:t>Hourly pay</a:t>
+            </a:r>
+          </a:p>
+          <a:p>
+            <a:pPr lvl="1"/>
+            <a:r>
+              <a:rPr lang="en-US" dirty="0" smtClean="0"/>
+              <a:t>If temp – no overtime payment</a:t>
+            </a:r>
+          </a:p>
+          <a:p>
+            <a:pPr lvl="1"/>
+            <a:r>
+              <a:rPr lang="en-US" dirty="0" smtClean="0"/>
+              <a:t>If manager – overtime +60% per hour</a:t>
+            </a:r>
+          </a:p>
+          <a:p>
+            <a:pPr lvl="1"/>
+            <a:r>
+              <a:rPr lang="en-US" dirty="0" smtClean="0"/>
+              <a:t>If employee – overtime +50% per hour</a:t>
+            </a:r>
+          </a:p>
+          <a:p>
+            <a:pPr lvl="1"/>
+            <a:endParaRPr lang="en-US" dirty="0" smtClean="0"/>
+          </a:p>
+        </p:txBody>
+      </p:sp>
+      <p:sp>
+        <p:nvSpPr>
+          <p:cNvPr id="3" name="Title 2"/>
+          <p:cNvSpPr>
+            <a:spLocks noGrp="1"/>
+          </p:cNvSpPr>
+          <p:nvPr>
+            <p:ph type="title"/>
+          </p:nvPr>
+        </p:nvSpPr>
+        <p:spPr/>
+        <p:txBody>
+          <a:bodyPr/>
+          <a:lstStyle/>
+          <a:p>
+            <a:r>
+              <a:rPr smtClean="0"/>
+              <a:t>Let us start with some code</a:t>
+            </a:r>
+            <a:r>
+              <a:rPr lang="en-US" dirty="0" smtClean="0"/>
+              <a:t>…</a:t>
+            </a:r>
+            <a:endParaRPr lang="en-US" dirty="0"/>
+          </a:p>
+        </p:txBody>
+      </p:sp>
+    </p:spTree>
+  </p:cSld>
+  <p:clrMapOvr>
+    <a:masterClrMapping/>
+  </p:clrMapOvr>
+</p:sld>
+</file>
+
+<file path=ppt/slides/slide15.xml><?xml version="1.0" encoding="utf-8"?>
 <p:sld xmlns:a="http://schemas.openxmlformats.org/drawingml/2006/main" xmlns:r="http://schemas.openxmlformats.org/officeDocument/2006/relationships" xmlns:p="http://schemas.openxmlformats.org/presentationml/2006/main">
   <p:cSld>
     <p:spTree>
@@ -6571,7 +6717,7 @@
 </p:sld>
 </file>
 
-<file path=ppt/slides/slide15.xml><?xml version="1.0" encoding="utf-8"?>
+<file path=ppt/slides/slide16.xml><?xml version="1.0" encoding="utf-8"?>
 <p:sld xmlns:a="http://schemas.openxmlformats.org/drawingml/2006/main" xmlns:r="http://schemas.openxmlformats.org/officeDocument/2006/relationships" xmlns:p="http://schemas.openxmlformats.org/presentationml/2006/main">
   <p:cSld>
     <p:spTree>
@@ -7236,7 +7382,7 @@
 </p:sld>
 </file>
 
-<file path=ppt/slides/slide16.xml><?xml version="1.0" encoding="utf-8"?>
+<file path=ppt/slides/slide17.xml><?xml version="1.0" encoding="utf-8"?>
 <p:sld xmlns:a="http://schemas.openxmlformats.org/drawingml/2006/main" xmlns:r="http://schemas.openxmlformats.org/officeDocument/2006/relationships" xmlns:p="http://schemas.openxmlformats.org/presentationml/2006/main">
   <p:cSld>
     <p:spTree>
@@ -7397,7 +7543,7 @@
 </p:sld>
 </file>
 
-<file path=ppt/slides/slide17.xml><?xml version="1.0" encoding="utf-8"?>
+<file path=ppt/slides/slide18.xml><?xml version="1.0" encoding="utf-8"?>
 <p:sld xmlns:a="http://schemas.openxmlformats.org/drawingml/2006/main" xmlns:r="http://schemas.openxmlformats.org/officeDocument/2006/relationships" xmlns:p="http://schemas.openxmlformats.org/presentationml/2006/main">
   <p:cSld>
     <p:spTree>
@@ -7663,7 +7809,7 @@
 </p:sld>
 </file>
 
-<file path=ppt/slides/slide18.xml><?xml version="1.0" encoding="utf-8"?>
+<file path=ppt/slides/slide19.xml><?xml version="1.0" encoding="utf-8"?>
 <p:sld xmlns:a="http://schemas.openxmlformats.org/drawingml/2006/main" xmlns:r="http://schemas.openxmlformats.org/officeDocument/2006/relationships" xmlns:p="http://schemas.openxmlformats.org/presentationml/2006/main">
   <p:cSld>
     <p:spTree>
@@ -7703,11 +7849,7 @@
           <a:p>
             <a:r>
               <a:rPr lang="en-US" dirty="0" smtClean="0"/>
-              <a:t>Hippocratic </a:t>
-            </a:r>
-            <a:r>
-              <a:rPr lang="en-US" dirty="0" smtClean="0"/>
-              <a:t>Oath</a:t>
+              <a:t>Hippocratic Oath</a:t>
             </a:r>
           </a:p>
           <a:p>
@@ -7722,7 +7864,6 @@
               <a:rPr lang="en-US" dirty="0" smtClean="0"/>
               <a:t>Cut new Seams</a:t>
             </a:r>
-            <a:endParaRPr lang="en-US" dirty="0" smtClean="0"/>
           </a:p>
           <a:p>
             <a:r>
@@ -7951,7 +8092,146 @@
 </p:sld>
 </file>
 
-<file path=ppt/slides/slide19.xml><?xml version="1.0" encoding="utf-8"?>
+<file path=ppt/slides/slide2.xml><?xml version="1.0" encoding="utf-8"?>
+<p:sld xmlns:a="http://schemas.openxmlformats.org/drawingml/2006/main" xmlns:r="http://schemas.openxmlformats.org/officeDocument/2006/relationships" xmlns:p="http://schemas.openxmlformats.org/presentationml/2006/main">
+  <p:cSld>
+    <p:spTree>
+      <p:nvGrpSpPr>
+        <p:cNvPr id="1" name=""/>
+        <p:cNvGrpSpPr/>
+        <p:nvPr/>
+      </p:nvGrpSpPr>
+      <p:grpSpPr>
+        <a:xfrm>
+          <a:off x="0" y="0"/>
+          <a:ext cx="0" cy="0"/>
+          <a:chOff x="0" y="0"/>
+          <a:chExt cx="0" cy="0"/>
+        </a:xfrm>
+      </p:grpSpPr>
+      <p:sp>
+        <p:nvSpPr>
+          <p:cNvPr id="8194" name="Title 1"/>
+          <p:cNvSpPr>
+            <a:spLocks noGrp="1"/>
+          </p:cNvSpPr>
+          <p:nvPr>
+            <p:ph type="title"/>
+          </p:nvPr>
+        </p:nvSpPr>
+        <p:spPr/>
+        <p:txBody>
+          <a:bodyPr/>
+          <a:lstStyle/>
+          <a:p>
+            <a:r>
+              <a:rPr lang="en-US" smtClean="0"/>
+              <a:t>Who am I?</a:t>
+            </a:r>
+            <a:endParaRPr lang="he-IL" smtClean="0"/>
+          </a:p>
+        </p:txBody>
+      </p:sp>
+      <p:sp>
+        <p:nvSpPr>
+          <p:cNvPr id="8195" name="Content Placeholder 2"/>
+          <p:cNvSpPr>
+            <a:spLocks noGrp="1"/>
+          </p:cNvSpPr>
+          <p:nvPr>
+            <p:ph idx="1"/>
+          </p:nvPr>
+        </p:nvSpPr>
+        <p:spPr/>
+        <p:txBody>
+          <a:bodyPr/>
+          <a:lstStyle/>
+          <a:p>
+            <a:r>
+              <a:rPr lang="en-US" dirty="0" smtClean="0"/>
+              <a:t>Oren </a:t>
+            </a:r>
+            <a:r>
+              <a:rPr lang="en-US" dirty="0" err="1" smtClean="0"/>
+              <a:t>Eini</a:t>
+            </a:r>
+            <a:r>
+              <a:rPr lang="en-US" dirty="0" smtClean="0"/>
+              <a:t> (</a:t>
+            </a:r>
+            <a:r>
+              <a:rPr lang="en-US" dirty="0" err="1" smtClean="0"/>
+              <a:t>a.k.a</a:t>
+            </a:r>
+            <a:r>
+              <a:rPr lang="en-US" dirty="0" smtClean="0"/>
+              <a:t>: </a:t>
+            </a:r>
+            <a:r>
+              <a:rPr lang="en-US" dirty="0" err="1" smtClean="0"/>
+              <a:t>Ayende</a:t>
+            </a:r>
+            <a:r>
+              <a:rPr lang="en-US" dirty="0" smtClean="0"/>
+              <a:t> </a:t>
+            </a:r>
+            <a:r>
+              <a:rPr lang="en-US" dirty="0" err="1" smtClean="0"/>
+              <a:t>Rahien</a:t>
+            </a:r>
+            <a:r>
+              <a:rPr lang="en-US" dirty="0" smtClean="0"/>
+              <a:t>)</a:t>
+            </a:r>
+          </a:p>
+          <a:p>
+            <a:r>
+              <a:rPr lang="en-US" dirty="0" smtClean="0"/>
+              <a:t>Blogger (</a:t>
+            </a:r>
+            <a:r>
+              <a:rPr lang="en-US" dirty="0" smtClean="0">
+                <a:hlinkClick r:id="rId2"/>
+              </a:rPr>
+              <a:t>http://www.ayende.com/Blog/</a:t>
+            </a:r>
+            <a:r>
+              <a:rPr lang="en-US" dirty="0" smtClean="0"/>
+              <a:t>)</a:t>
+            </a:r>
+          </a:p>
+          <a:p>
+            <a:r>
+              <a:rPr lang="en-US" dirty="0" smtClean="0"/>
+              <a:t>Senior </a:t>
+            </a:r>
+            <a:r>
+              <a:rPr lang="en-US" dirty="0" smtClean="0"/>
+              <a:t>Developer at We! Consulting Group</a:t>
+            </a:r>
+          </a:p>
+          <a:p>
+            <a:endParaRPr lang="en-US" dirty="0" smtClean="0"/>
+          </a:p>
+        </p:txBody>
+      </p:sp>
+    </p:spTree>
+  </p:cSld>
+  <p:clrMapOvr>
+    <a:masterClrMapping/>
+  </p:clrMapOvr>
+  <p:transition/>
+  <p:timing>
+    <p:tnLst>
+      <p:par>
+        <p:cTn id="1" dur="indefinite" restart="never" nodeType="tmRoot"/>
+      </p:par>
+    </p:tnLst>
+  </p:timing>
+</p:sld>
+</file>
+
+<file path=ppt/slides/slide20.xml><?xml version="1.0" encoding="utf-8"?>
 <p:sld xmlns:a="http://schemas.openxmlformats.org/drawingml/2006/main" xmlns:r="http://schemas.openxmlformats.org/officeDocument/2006/relationships" xmlns:p="http://schemas.openxmlformats.org/presentationml/2006/main">
   <p:cSld>
     <p:spTree>
@@ -8119,7 +8399,7 @@
 </p:sld>
 </file>
 
-<file path=ppt/slides/slide2.xml><?xml version="1.0" encoding="utf-8"?>
+<file path=ppt/slides/slide3.xml><?xml version="1.0" encoding="utf-8"?>
 <p:sld xmlns:a="http://schemas.openxmlformats.org/drawingml/2006/main" xmlns:r="http://schemas.openxmlformats.org/officeDocument/2006/relationships" xmlns:p="http://schemas.openxmlformats.org/presentationml/2006/main">
   <p:cSld>
     <p:spTree>
@@ -8264,7 +8544,7 @@
 </p:sld>
 </file>
 
-<file path=ppt/slides/slide3.xml><?xml version="1.0" encoding="utf-8"?>
+<file path=ppt/slides/slide4.xml><?xml version="1.0" encoding="utf-8"?>
 <p:sld xmlns:a="http://schemas.openxmlformats.org/drawingml/2006/main" xmlns:r="http://schemas.openxmlformats.org/officeDocument/2006/relationships" xmlns:p="http://schemas.openxmlformats.org/presentationml/2006/main">
   <p:cSld>
     <p:spTree>
@@ -8401,7 +8681,7 @@
 </p:sld>
 </file>
 
-<file path=ppt/slides/slide4.xml><?xml version="1.0" encoding="utf-8"?>
+<file path=ppt/slides/slide5.xml><?xml version="1.0" encoding="utf-8"?>
 <p:sld xmlns:a="http://schemas.openxmlformats.org/drawingml/2006/main" xmlns:r="http://schemas.openxmlformats.org/officeDocument/2006/relationships" xmlns:p="http://schemas.openxmlformats.org/presentationml/2006/main">
   <p:cSld>
     <p:spTree>
@@ -8506,7 +8786,7 @@
 </p:sld>
 </file>
 
-<file path=ppt/slides/slide5.xml><?xml version="1.0" encoding="utf-8"?>
+<file path=ppt/slides/slide6.xml><?xml version="1.0" encoding="utf-8"?>
 <p:sld xmlns:a="http://schemas.openxmlformats.org/drawingml/2006/main" xmlns:r="http://schemas.openxmlformats.org/officeDocument/2006/relationships" xmlns:p="http://schemas.openxmlformats.org/presentationml/2006/main">
   <p:cSld>
     <p:spTree>
@@ -8598,7 +8878,7 @@
 </p:sld>
 </file>
 
-<file path=ppt/slides/slide6.xml><?xml version="1.0" encoding="utf-8"?>
+<file path=ppt/slides/slide7.xml><?xml version="1.0" encoding="utf-8"?>
 <p:sld xmlns:a="http://schemas.openxmlformats.org/drawingml/2006/main" xmlns:r="http://schemas.openxmlformats.org/officeDocument/2006/relationships" xmlns:p="http://schemas.openxmlformats.org/presentationml/2006/main">
   <p:cSld>
     <p:spTree>
@@ -8779,7 +9059,7 @@
 </p:sld>
 </file>
 
-<file path=ppt/slides/slide7.xml><?xml version="1.0" encoding="utf-8"?>
+<file path=ppt/slides/slide8.xml><?xml version="1.0" encoding="utf-8"?>
 <p:sld xmlns:a="http://schemas.openxmlformats.org/drawingml/2006/main" xmlns:r="http://schemas.openxmlformats.org/officeDocument/2006/relationships" xmlns:p="http://schemas.openxmlformats.org/presentationml/2006/main">
   <p:cSld>
     <p:spTree>
@@ -9061,7 +9341,7 @@
 </p:sld>
 </file>
 
-<file path=ppt/slides/slide8.xml><?xml version="1.0" encoding="utf-8"?>
+<file path=ppt/slides/slide9.xml><?xml version="1.0" encoding="utf-8"?>
 <p:sld xmlns:a="http://schemas.openxmlformats.org/drawingml/2006/main" xmlns:r="http://schemas.openxmlformats.org/officeDocument/2006/relationships" xmlns:p="http://schemas.openxmlformats.org/presentationml/2006/main">
   <p:cSld>
     <p:spTree>
@@ -9145,123 +9425,9 @@
           <a:p>
             <a:r>
               <a:rPr lang="en-AU" dirty="0" smtClean="0"/>
-              <a:t>And this is how deployment </a:t>
-            </a:r>
-            <a:r>
-              <a:rPr lang="en-AU" dirty="0" smtClean="0"/>
-              <a:t>f</a:t>
-            </a:r>
-            <a:r>
-              <a:rPr lang="en-AU" dirty="0" smtClean="0"/>
-              <a:t>elt</a:t>
+              <a:t>And this is how deployment felt</a:t>
             </a:r>
             <a:endParaRPr lang="en-US" dirty="0"/>
-          </a:p>
-        </p:txBody>
-      </p:sp>
-    </p:spTree>
-  </p:cSld>
-  <p:clrMapOvr>
-    <a:masterClrMapping/>
-  </p:clrMapOvr>
-  <p:timing>
-    <p:tnLst>
-      <p:par>
-        <p:cTn id="1" dur="indefinite" restart="never" nodeType="tmRoot"/>
-      </p:par>
-    </p:tnLst>
-  </p:timing>
-</p:sld>
-</file>
-
-<file path=ppt/slides/slide9.xml><?xml version="1.0" encoding="utf-8"?>
-<p:sld xmlns:a="http://schemas.openxmlformats.org/drawingml/2006/main" xmlns:r="http://schemas.openxmlformats.org/officeDocument/2006/relationships" xmlns:p="http://schemas.openxmlformats.org/presentationml/2006/main">
-  <p:cSld>
-    <p:spTree>
-      <p:nvGrpSpPr>
-        <p:cNvPr id="1" name=""/>
-        <p:cNvGrpSpPr/>
-        <p:nvPr/>
-      </p:nvGrpSpPr>
-      <p:grpSpPr>
-        <a:xfrm>
-          <a:off x="0" y="0"/>
-          <a:ext cx="0" cy="0"/>
-          <a:chOff x="0" y="0"/>
-          <a:chExt cx="0" cy="0"/>
-        </a:xfrm>
-      </p:grpSpPr>
-      <p:sp>
-        <p:nvSpPr>
-          <p:cNvPr id="3" name="Rectangle 2"/>
-          <p:cNvSpPr/>
-          <p:nvPr/>
-        </p:nvSpPr>
-        <p:spPr>
-          <a:xfrm>
-            <a:off x="1511194" y="2967335"/>
-            <a:ext cx="5806333" cy="923330"/>
-          </a:xfrm>
-          <a:prstGeom prst="rect">
-            <a:avLst/>
-          </a:prstGeom>
-          <a:noFill/>
-        </p:spPr>
-        <p:txBody>
-          <a:bodyPr wrap="none" lIns="91440" tIns="45720" rIns="91440" bIns="45720">
-            <a:spAutoFit/>
-            <a:scene3d>
-              <a:camera prst="orthographicFront"/>
-              <a:lightRig rig="brightRoom" dir="t"/>
-            </a:scene3d>
-            <a:sp3d contourW="6350" prstMaterial="plastic">
-              <a:bevelT w="20320" h="20320" prst="angle"/>
-              <a:contourClr>
-                <a:schemeClr val="accent1">
-                  <a:tint val="100000"/>
-                  <a:shade val="100000"/>
-                  <a:hueMod val="100000"/>
-                  <a:satMod val="100000"/>
-                </a:schemeClr>
-              </a:contourClr>
-            </a:sp3d>
-          </a:bodyPr>
-          <a:lstStyle/>
-          <a:p>
-            <a:pPr algn="ctr"/>
-            <a:r>
-              <a:rPr lang="en-US" sz="5400" b="1" cap="all" spc="0" dirty="0" smtClean="0">
-                <a:ln/>
-                <a:solidFill>
-                  <a:schemeClr val="accent1"/>
-                </a:solidFill>
-                <a:effectLst>
-                  <a:outerShdw blurRad="19685" dist="12700" dir="5400000" algn="tl" rotWithShape="0">
-                    <a:schemeClr val="accent1">
-                      <a:satMod val="130000"/>
-                      <a:alpha val="60000"/>
-                    </a:schemeClr>
-                  </a:outerShdw>
-                  <a:reflection blurRad="10000" stA="55000" endPos="48000" dist="500" dir="5400000" sy="-100000" algn="bl" rotWithShape="0"/>
-                </a:effectLst>
-              </a:rPr>
-              <a:t>Another way…</a:t>
-            </a:r>
-            <a:endParaRPr lang="en-US" sz="5400" b="1" cap="all" spc="0" dirty="0">
-              <a:ln/>
-              <a:solidFill>
-                <a:schemeClr val="accent1"/>
-              </a:solidFill>
-              <a:effectLst>
-                <a:outerShdw blurRad="19685" dist="12700" dir="5400000" algn="tl" rotWithShape="0">
-                  <a:schemeClr val="accent1">
-                    <a:satMod val="130000"/>
-                    <a:alpha val="60000"/>
-                  </a:schemeClr>
-                </a:outerShdw>
-                <a:reflection blurRad="10000" stA="55000" endPos="48000" dist="500" dir="5400000" sy="-100000" algn="bl" rotWithShape="0"/>
-              </a:effectLst>
-            </a:endParaRPr>
           </a:p>
         </p:txBody>
       </p:sp>

--- a/SampleApplications/GettingStartedUnitTesting/Getting to Know Test Driven Development & Design.pptx
+++ b/SampleApplications/GettingStartedUnitTesting/Getting to Know Test Driven Development & Design.pptx
@@ -5872,13 +5872,13 @@
         </p:nvSpPr>
         <p:spPr>
           <a:xfrm>
-            <a:off x="1071538" y="5143512"/>
-            <a:ext cx="7005662" cy="1233508"/>
+            <a:off x="1071538" y="4500570"/>
+            <a:ext cx="7005662" cy="1876450"/>
           </a:xfrm>
         </p:spPr>
         <p:txBody>
           <a:bodyPr>
-            <a:normAutofit fontScale="55000" lnSpcReduction="20000"/>
+            <a:normAutofit fontScale="92500" lnSpcReduction="10000"/>
           </a:bodyPr>
           <a:lstStyle/>
           <a:p>
@@ -8203,11 +8203,7 @@
           <a:p>
             <a:r>
               <a:rPr lang="en-US" dirty="0" smtClean="0"/>
-              <a:t>Senior </a:t>
-            </a:r>
-            <a:r>
-              <a:rPr lang="en-US" dirty="0" smtClean="0"/>
-              <a:t>Developer at We! Consulting Group</a:t>
+              <a:t>Senior Developer at We! Consulting Group</a:t>
             </a:r>
           </a:p>
           <a:p>
@@ -8433,7 +8429,11 @@
           <a:p>
             <a:r>
               <a:rPr lang="en-AU" dirty="0" smtClean="0"/>
-              <a:t>As a matter of fact, it is </a:t>
+              <a:t>It </a:t>
+            </a:r>
+            <a:r>
+              <a:rPr lang="en-AU" dirty="0" smtClean="0"/>
+              <a:t>is </a:t>
             </a:r>
             <a:r>
               <a:rPr lang="en-AU" i="1" dirty="0" smtClean="0"/>
@@ -8441,14 +8441,31 @@
             </a:r>
             <a:r>
               <a:rPr lang="en-AU" dirty="0" smtClean="0"/>
-              <a:t> about the tests</a:t>
-            </a:r>
-          </a:p>
-          <a:p>
+              <a:t> about the </a:t>
+            </a:r>
             <a:r>
               <a:rPr lang="en-AU" dirty="0" smtClean="0"/>
-              <a:t>The design process:</a:t>
-            </a:r>
+              <a:t>tests</a:t>
+            </a:r>
+            <a:endParaRPr lang="he-IL" dirty="0" smtClean="0"/>
+          </a:p>
+          <a:p>
+            <a:r>
+              <a:rPr lang="en-AU" dirty="0" smtClean="0"/>
+              <a:t>T</a:t>
+            </a:r>
+            <a:r>
+              <a:rPr lang="en-US" dirty="0" smtClean="0"/>
+              <a:t>he tests are aiding the design</a:t>
+            </a:r>
+            <a:endParaRPr lang="en-AU" dirty="0" smtClean="0"/>
+          </a:p>
+          <a:p>
+            <a:r>
+              <a:rPr lang="en-AU" dirty="0" smtClean="0"/>
+              <a:t>Designing through test:</a:t>
+            </a:r>
+            <a:endParaRPr lang="en-AU" dirty="0" smtClean="0"/>
           </a:p>
           <a:p>
             <a:pPr lvl="1"/>
@@ -8480,6 +8497,12 @@
           </a:p>
           <a:p>
             <a:endParaRPr lang="en-AU" dirty="0" smtClean="0"/>
+          </a:p>
+          <a:p>
+            <a:endParaRPr lang="en-US" dirty="0" smtClean="0"/>
+          </a:p>
+          <a:p>
+            <a:endParaRPr lang="en-US" dirty="0" smtClean="0"/>
           </a:p>
           <a:p>
             <a:endParaRPr lang="en-US" dirty="0"/>
